--- a/Slides.pptx
+++ b/Slides.pptx
@@ -15,7 +15,6 @@
     <p:sldId id="265" r:id="rId9"/>
     <p:sldId id="266" r:id="rId10"/>
     <p:sldId id="267" r:id="rId11"/>
-    <p:sldId id="260" r:id="rId12"/>
   </p:sldIdLst>
   <p:sldSz cx="12192000" cy="6858000"/>
   <p:notesSz cx="6858000" cy="9144000"/>
@@ -114,6 +113,11 @@
       </a:defRPr>
     </a:lvl9pPr>
   </p:defaultTextStyle>
+  <p:extLst>
+    <p:ext uri="{EFAFB233-063F-42B5-8137-9DF3F51BA10A}">
+      <p15:sldGuideLst xmlns:p15="http://schemas.microsoft.com/office/powerpoint/2012/main"/>
+    </p:ext>
+  </p:extLst>
 </p:presentation>
 </file>
 
@@ -862,7 +866,7 @@
           <a:p>
             <a:fld id="{7FF4B528-88B5-944D-A3DF-E9C3648A525A}" type="datetimeFigureOut">
               <a:rPr lang="en-US" smtClean="0"/>
-              <a:t>6/11/22</a:t>
+              <a:t>6/13/22</a:t>
             </a:fld>
             <a:endParaRPr lang="en-US"/>
           </a:p>
@@ -1113,7 +1117,7 @@
           <a:p>
             <a:fld id="{7FF4B528-88B5-944D-A3DF-E9C3648A525A}" type="datetimeFigureOut">
               <a:rPr lang="en-US" smtClean="0"/>
-              <a:t>6/11/22</a:t>
+              <a:t>6/13/22</a:t>
             </a:fld>
             <a:endParaRPr lang="en-US"/>
           </a:p>
@@ -1427,7 +1431,7 @@
           <a:p>
             <a:fld id="{7FF4B528-88B5-944D-A3DF-E9C3648A525A}" type="datetimeFigureOut">
               <a:rPr lang="en-US" smtClean="0"/>
-              <a:t>6/11/22</a:t>
+              <a:t>6/13/22</a:t>
             </a:fld>
             <a:endParaRPr lang="en-US"/>
           </a:p>
@@ -1760,7 +1764,7 @@
           <a:p>
             <a:fld id="{7FF4B528-88B5-944D-A3DF-E9C3648A525A}" type="datetimeFigureOut">
               <a:rPr lang="en-US" smtClean="0"/>
-              <a:t>6/11/22</a:t>
+              <a:t>6/13/22</a:t>
             </a:fld>
             <a:endParaRPr lang="en-US"/>
           </a:p>
@@ -2074,7 +2078,7 @@
           <a:p>
             <a:fld id="{7FF4B528-88B5-944D-A3DF-E9C3648A525A}" type="datetimeFigureOut">
               <a:rPr lang="en-US" smtClean="0"/>
-              <a:t>6/11/22</a:t>
+              <a:t>6/13/22</a:t>
             </a:fld>
             <a:endParaRPr lang="en-US"/>
           </a:p>
@@ -2467,7 +2471,7 @@
           <a:p>
             <a:fld id="{7FF4B528-88B5-944D-A3DF-E9C3648A525A}" type="datetimeFigureOut">
               <a:rPr lang="en-US" smtClean="0"/>
-              <a:t>6/11/22</a:t>
+              <a:t>6/13/22</a:t>
             </a:fld>
             <a:endParaRPr lang="en-US"/>
           </a:p>
@@ -2637,7 +2641,7 @@
           <a:p>
             <a:fld id="{7FF4B528-88B5-944D-A3DF-E9C3648A525A}" type="datetimeFigureOut">
               <a:rPr lang="en-US" smtClean="0"/>
-              <a:t>6/11/22</a:t>
+              <a:t>6/13/22</a:t>
             </a:fld>
             <a:endParaRPr lang="en-US"/>
           </a:p>
@@ -2817,7 +2821,7 @@
           <a:p>
             <a:fld id="{7FF4B528-88B5-944D-A3DF-E9C3648A525A}" type="datetimeFigureOut">
               <a:rPr lang="en-US" smtClean="0"/>
-              <a:t>6/11/22</a:t>
+              <a:t>6/13/22</a:t>
             </a:fld>
             <a:endParaRPr lang="en-US"/>
           </a:p>
@@ -2987,7 +2991,7 @@
           <a:p>
             <a:fld id="{7FF4B528-88B5-944D-A3DF-E9C3648A525A}" type="datetimeFigureOut">
               <a:rPr lang="en-US" smtClean="0"/>
-              <a:t>6/11/22</a:t>
+              <a:t>6/13/22</a:t>
             </a:fld>
             <a:endParaRPr lang="en-US"/>
           </a:p>
@@ -3234,7 +3238,7 @@
           <a:p>
             <a:fld id="{7FF4B528-88B5-944D-A3DF-E9C3648A525A}" type="datetimeFigureOut">
               <a:rPr lang="en-US" smtClean="0"/>
-              <a:t>6/11/22</a:t>
+              <a:t>6/13/22</a:t>
             </a:fld>
             <a:endParaRPr lang="en-US"/>
           </a:p>
@@ -3466,7 +3470,7 @@
           <a:p>
             <a:fld id="{7FF4B528-88B5-944D-A3DF-E9C3648A525A}" type="datetimeFigureOut">
               <a:rPr lang="en-US" smtClean="0"/>
-              <a:t>6/11/22</a:t>
+              <a:t>6/13/22</a:t>
             </a:fld>
             <a:endParaRPr lang="en-US"/>
           </a:p>
@@ -3840,7 +3844,7 @@
           <a:p>
             <a:fld id="{7FF4B528-88B5-944D-A3DF-E9C3648A525A}" type="datetimeFigureOut">
               <a:rPr lang="en-US" smtClean="0"/>
-              <a:t>6/11/22</a:t>
+              <a:t>6/13/22</a:t>
             </a:fld>
             <a:endParaRPr lang="en-US"/>
           </a:p>
@@ -3963,7 +3967,7 @@
           <a:p>
             <a:fld id="{7FF4B528-88B5-944D-A3DF-E9C3648A525A}" type="datetimeFigureOut">
               <a:rPr lang="en-US" smtClean="0"/>
-              <a:t>6/11/22</a:t>
+              <a:t>6/13/22</a:t>
             </a:fld>
             <a:endParaRPr lang="en-US"/>
           </a:p>
@@ -4058,7 +4062,7 @@
           <a:p>
             <a:fld id="{7FF4B528-88B5-944D-A3DF-E9C3648A525A}" type="datetimeFigureOut">
               <a:rPr lang="en-US" smtClean="0"/>
-              <a:t>6/11/22</a:t>
+              <a:t>6/13/22</a:t>
             </a:fld>
             <a:endParaRPr lang="en-US"/>
           </a:p>
@@ -4313,7 +4317,7 @@
           <a:p>
             <a:fld id="{7FF4B528-88B5-944D-A3DF-E9C3648A525A}" type="datetimeFigureOut">
               <a:rPr lang="en-US" smtClean="0"/>
-              <a:t>6/11/22</a:t>
+              <a:t>6/13/22</a:t>
             </a:fld>
             <a:endParaRPr lang="en-US"/>
           </a:p>
@@ -4618,7 +4622,7 @@
           <a:p>
             <a:fld id="{7FF4B528-88B5-944D-A3DF-E9C3648A525A}" type="datetimeFigureOut">
               <a:rPr lang="en-US" smtClean="0"/>
-              <a:t>6/11/22</a:t>
+              <a:t>6/13/22</a:t>
             </a:fld>
             <a:endParaRPr lang="en-US"/>
           </a:p>
@@ -5320,7 +5324,7 @@
           <a:p>
             <a:fld id="{7FF4B528-88B5-944D-A3DF-E9C3648A525A}" type="datetimeFigureOut">
               <a:rPr lang="en-US" smtClean="0"/>
-              <a:t>6/11/22</a:t>
+              <a:t>6/13/22</a:t>
             </a:fld>
             <a:endParaRPr lang="en-US"/>
           </a:p>
@@ -6304,7 +6308,7 @@
           <p:nvPr/>
         </p:nvPicPr>
         <p:blipFill>
-          <a:blip r:embed="rId2"/>
+          <a:blip r:embed="rId4"/>
           <a:stretch>
             <a:fillRect/>
           </a:stretch>
@@ -6321,10 +6325,10 @@
       </p:pic>
       <p:pic>
         <p:nvPicPr>
-          <p:cNvPr id="9" name="Picture 8">
+          <p:cNvPr id="4" name="Picture 3">
             <a:extLst>
               <a:ext uri="{FF2B5EF4-FFF2-40B4-BE49-F238E27FC236}">
-                <a16:creationId xmlns:a16="http://schemas.microsoft.com/office/drawing/2014/main" id="{DA8D2B09-D199-E84D-8E15-95F2FF3EF524}"/>
+                <a16:creationId xmlns:a16="http://schemas.microsoft.com/office/drawing/2014/main" id="{30A51FB1-392D-B74D-BF08-7EE36A904591}"/>
               </a:ext>
             </a:extLst>
           </p:cNvPr>
@@ -6334,15 +6338,53 @@
           <p:nvPr/>
         </p:nvPicPr>
         <p:blipFill>
-          <a:blip r:embed="rId3"/>
+          <a:blip r:embed="rId5"/>
           <a:stretch>
             <a:fillRect/>
           </a:stretch>
         </p:blipFill>
         <p:spPr>
           <a:xfrm>
-            <a:off x="936178" y="3073400"/>
-            <a:ext cx="10319643" cy="711199"/>
+            <a:off x="1600200" y="2838450"/>
+            <a:ext cx="8991600" cy="609600"/>
+          </a:xfrm>
+          <a:prstGeom prst="rect">
+            <a:avLst/>
+          </a:prstGeom>
+        </p:spPr>
+      </p:pic>
+      <p:pic>
+        <p:nvPicPr>
+          <p:cNvPr id="6" name="Audio Recording 13 Jun 2022 at 3:25:51 pm" descr="Audio Recording 13 Jun 2022 at 3:25:51 pm">
+            <a:hlinkClick r:id="" action="ppaction://media"/>
+            <a:extLst>
+              <a:ext uri="{FF2B5EF4-FFF2-40B4-BE49-F238E27FC236}">
+                <a16:creationId xmlns:a16="http://schemas.microsoft.com/office/drawing/2014/main" id="{ADA7421F-56A2-1844-9B60-5ECBC554A4EC}"/>
+              </a:ext>
+            </a:extLst>
+          </p:cNvPr>
+          <p:cNvPicPr>
+            <a:picLocks noChangeAspect="1"/>
+          </p:cNvPicPr>
+          <p:nvPr>
+            <a:audioFile r:link="rId2"/>
+            <p:extLst>
+              <p:ext uri="{DAA4B4D4-6D71-4841-9C94-3DE7FCFB9230}">
+                <p14:media xmlns:p14="http://schemas.microsoft.com/office/powerpoint/2010/main" r:embed="rId1"/>
+              </p:ext>
+            </p:extLst>
+          </p:nvPr>
+        </p:nvPicPr>
+        <p:blipFill>
+          <a:blip r:embed="rId6"/>
+          <a:stretch>
+            <a:fillRect/>
+          </a:stretch>
+        </p:blipFill>
+        <p:spPr>
+          <a:xfrm>
+            <a:off x="10936157" y="5750810"/>
+            <a:ext cx="812800" cy="812800"/>
           </a:xfrm>
           <a:prstGeom prst="rect">
             <a:avLst/>
@@ -6359,92 +6401,90 @@
   <p:clrMapOvr>
     <a:masterClrMapping/>
   </p:clrMapOvr>
-</p:sld>
-</file>
-
-<file path=ppt/slides/slide11.xml><?xml version="1.0" encoding="utf-8"?>
-<p:sld xmlns:a="http://schemas.openxmlformats.org/drawingml/2006/main" xmlns:r="http://schemas.openxmlformats.org/officeDocument/2006/relationships" xmlns:p="http://schemas.openxmlformats.org/presentationml/2006/main">
-  <p:cSld>
-    <p:spTree>
-      <p:nvGrpSpPr>
-        <p:cNvPr id="1" name=""/>
-        <p:cNvGrpSpPr/>
-        <p:nvPr/>
-      </p:nvGrpSpPr>
-      <p:grpSpPr>
-        <a:xfrm>
-          <a:off x="0" y="0"/>
-          <a:ext cx="0" cy="0"/>
-          <a:chOff x="0" y="0"/>
-          <a:chExt cx="0" cy="0"/>
-        </a:xfrm>
-      </p:grpSpPr>
-      <p:sp>
-        <p:nvSpPr>
-          <p:cNvPr id="2" name="Title 1">
-            <a:extLst>
-              <a:ext uri="{FF2B5EF4-FFF2-40B4-BE49-F238E27FC236}">
-                <a16:creationId xmlns:a16="http://schemas.microsoft.com/office/drawing/2014/main" id="{68D3AA6A-C543-6243-9394-A5957F267E23}"/>
-              </a:ext>
-            </a:extLst>
-          </p:cNvPr>
-          <p:cNvSpPr>
-            <a:spLocks noGrp="1"/>
-          </p:cNvSpPr>
-          <p:nvPr>
-            <p:ph type="title"/>
-          </p:nvPr>
-        </p:nvSpPr>
-        <p:spPr/>
-        <p:txBody>
-          <a:bodyPr/>
-          <a:lstStyle/>
-          <a:p>
-            <a:r>
-              <a:rPr lang="en-US" dirty="0"/>
-              <a:t>References</a:t>
-            </a:r>
-          </a:p>
-        </p:txBody>
-      </p:sp>
-      <p:sp>
-        <p:nvSpPr>
-          <p:cNvPr id="3" name="Content Placeholder 2">
-            <a:extLst>
-              <a:ext uri="{FF2B5EF4-FFF2-40B4-BE49-F238E27FC236}">
-                <a16:creationId xmlns:a16="http://schemas.microsoft.com/office/drawing/2014/main" id="{25F87C85-B0AD-554B-A027-DA4B4EAE0CA4}"/>
-              </a:ext>
-            </a:extLst>
-          </p:cNvPr>
-          <p:cNvSpPr>
-            <a:spLocks noGrp="1"/>
-          </p:cNvSpPr>
-          <p:nvPr>
-            <p:ph idx="1"/>
-          </p:nvPr>
-        </p:nvSpPr>
-        <p:spPr/>
-        <p:txBody>
-          <a:bodyPr/>
-          <a:lstStyle/>
-          <a:p>
-            <a:r>
-              <a:rPr lang="en-US" dirty="0"/>
-              <a:t>Could potentially reference the lecture slides for that basic knowledge and maybe I used some stuff when explaining that formula and all that stuff</a:t>
-            </a:r>
-          </a:p>
-        </p:txBody>
-      </p:sp>
-    </p:spTree>
-    <p:extLst>
-      <p:ext uri="{BB962C8B-B14F-4D97-AF65-F5344CB8AC3E}">
-        <p14:creationId xmlns:p14="http://schemas.microsoft.com/office/powerpoint/2010/main" val="4185145038"/>
-      </p:ext>
-    </p:extLst>
-  </p:cSld>
-  <p:clrMapOvr>
-    <a:masterClrMapping/>
-  </p:clrMapOvr>
+  <p:timing>
+    <p:tnLst>
+      <p:par>
+        <p:cTn id="1" dur="indefinite" restart="never" nodeType="tmRoot">
+          <p:childTnLst>
+            <p:seq concurrent="1" nextAc="seek">
+              <p:cTn id="2" dur="indefinite" nodeType="mainSeq">
+                <p:childTnLst>
+                  <p:par>
+                    <p:cTn id="3" fill="hold">
+                      <p:stCondLst>
+                        <p:cond delay="indefinite"/>
+                      </p:stCondLst>
+                      <p:childTnLst>
+                        <p:par>
+                          <p:cTn id="4" fill="hold">
+                            <p:stCondLst>
+                              <p:cond delay="0"/>
+                            </p:stCondLst>
+                            <p:childTnLst>
+                              <p:par>
+                                <p:cTn id="5" presetID="1" presetClass="mediacall" presetSubtype="0" fill="hold" nodeType="clickEffect">
+                                  <p:stCondLst>
+                                    <p:cond delay="0"/>
+                                  </p:stCondLst>
+                                  <p:childTnLst>
+                                    <p:cmd type="call" cmd="playFrom(0.0)">
+                                      <p:cBhvr>
+                                        <p:cTn id="6" dur="16896" fill="hold"/>
+                                        <p:tgtEl>
+                                          <p:spTgt spid="6"/>
+                                        </p:tgtEl>
+                                      </p:cBhvr>
+                                    </p:cmd>
+                                  </p:childTnLst>
+                                </p:cTn>
+                              </p:par>
+                            </p:childTnLst>
+                          </p:cTn>
+                        </p:par>
+                      </p:childTnLst>
+                    </p:cTn>
+                  </p:par>
+                </p:childTnLst>
+              </p:cTn>
+              <p:prevCondLst>
+                <p:cond evt="onPrev" delay="0">
+                  <p:tgtEl>
+                    <p:sldTgt/>
+                  </p:tgtEl>
+                </p:cond>
+              </p:prevCondLst>
+              <p:nextCondLst>
+                <p:cond evt="onNext" delay="0">
+                  <p:tgtEl>
+                    <p:sldTgt/>
+                  </p:tgtEl>
+                </p:cond>
+              </p:nextCondLst>
+            </p:seq>
+            <p:audio>
+              <p:cMediaNode vol="80000">
+                <p:cTn id="7" fill="hold" display="0">
+                  <p:stCondLst>
+                    <p:cond delay="indefinite"/>
+                  </p:stCondLst>
+                  <p:endCondLst>
+                    <p:cond evt="onStopAudio" delay="0">
+                      <p:tgtEl>
+                        <p:sldTgt/>
+                      </p:tgtEl>
+                    </p:cond>
+                  </p:endCondLst>
+                </p:cTn>
+                <p:tgtEl>
+                  <p:spTgt spid="6"/>
+                </p:tgtEl>
+              </p:cMediaNode>
+            </p:audio>
+          </p:childTnLst>
+        </p:cTn>
+      </p:par>
+    </p:tnLst>
+  </p:timing>
 </p:sld>
 </file>
 
@@ -6511,7 +6551,9 @@
         </p:nvSpPr>
         <p:spPr/>
         <p:txBody>
-          <a:bodyPr/>
+          <a:bodyPr>
+            <a:normAutofit lnSpcReduction="10000"/>
+          </a:bodyPr>
           <a:lstStyle/>
           <a:p>
             <a:r>
@@ -6536,7 +6578,7 @@
             </a:pPr>
             <a:r>
               <a:rPr lang="en-US" dirty="0"/>
-              <a:t>Filling in missing values with the mean</a:t>
+              <a:t>Filling in missing values with the mean rating in that category rather than the overall mean.</a:t>
             </a:r>
           </a:p>
           <a:p>
@@ -6571,8 +6613,56 @@
               <a:t>Allows to better accuracy and therefore better model</a:t>
             </a:r>
           </a:p>
-        </p:txBody>
-      </p:sp>
+          <a:p>
+            <a:pPr>
+              <a:buFontTx/>
+              <a:buChar char="-"/>
+            </a:pPr>
+            <a:r>
+              <a:rPr lang="en-US" dirty="0"/>
+              <a:t>Using mean for each category allows model to better understand user’s interests</a:t>
+            </a:r>
+          </a:p>
+        </p:txBody>
+      </p:sp>
+      <p:pic>
+        <p:nvPicPr>
+          <p:cNvPr id="11" name="Audio Recording 13 Jun 2022 at 12:53:50 pm" descr="Audio Recording 13 Jun 2022 at 12:53:50 pm">
+            <a:hlinkClick r:id="" action="ppaction://media"/>
+            <a:extLst>
+              <a:ext uri="{FF2B5EF4-FFF2-40B4-BE49-F238E27FC236}">
+                <a16:creationId xmlns:a16="http://schemas.microsoft.com/office/drawing/2014/main" id="{B4C2BE5A-E35F-224E-A8F6-84AF29AD64D6}"/>
+              </a:ext>
+            </a:extLst>
+          </p:cNvPr>
+          <p:cNvPicPr>
+            <a:picLocks noChangeAspect="1"/>
+          </p:cNvPicPr>
+          <p:nvPr>
+            <a:audioFile r:link="rId2"/>
+            <p:extLst>
+              <p:ext uri="{DAA4B4D4-6D71-4841-9C94-3DE7FCFB9230}">
+                <p14:media xmlns:p14="http://schemas.microsoft.com/office/powerpoint/2010/main" r:embed="rId1"/>
+              </p:ext>
+            </p:extLst>
+          </p:nvPr>
+        </p:nvPicPr>
+        <p:blipFill>
+          <a:blip r:embed="rId4"/>
+          <a:stretch>
+            <a:fillRect/>
+          </a:stretch>
+        </p:blipFill>
+        <p:spPr>
+          <a:xfrm>
+            <a:off x="10361612" y="5634962"/>
+            <a:ext cx="812800" cy="812800"/>
+          </a:xfrm>
+          <a:prstGeom prst="rect">
+            <a:avLst/>
+          </a:prstGeom>
+        </p:spPr>
+      </p:pic>
     </p:spTree>
     <p:extLst>
       <p:ext uri="{BB962C8B-B14F-4D97-AF65-F5344CB8AC3E}">
@@ -6583,6 +6673,90 @@
   <p:clrMapOvr>
     <a:masterClrMapping/>
   </p:clrMapOvr>
+  <p:timing>
+    <p:tnLst>
+      <p:par>
+        <p:cTn id="1" dur="indefinite" restart="never" nodeType="tmRoot">
+          <p:childTnLst>
+            <p:seq concurrent="1" nextAc="seek">
+              <p:cTn id="2" dur="indefinite" nodeType="mainSeq">
+                <p:childTnLst>
+                  <p:par>
+                    <p:cTn id="3" fill="hold">
+                      <p:stCondLst>
+                        <p:cond delay="indefinite"/>
+                      </p:stCondLst>
+                      <p:childTnLst>
+                        <p:par>
+                          <p:cTn id="4" fill="hold">
+                            <p:stCondLst>
+                              <p:cond delay="0"/>
+                            </p:stCondLst>
+                            <p:childTnLst>
+                              <p:par>
+                                <p:cTn id="5" presetID="1" presetClass="mediacall" presetSubtype="0" fill="hold" nodeType="clickEffect">
+                                  <p:stCondLst>
+                                    <p:cond delay="0"/>
+                                  </p:stCondLst>
+                                  <p:childTnLst>
+                                    <p:cmd type="call" cmd="playFrom(0.0)">
+                                      <p:cBhvr>
+                                        <p:cTn id="6" dur="126080" fill="hold"/>
+                                        <p:tgtEl>
+                                          <p:spTgt spid="11"/>
+                                        </p:tgtEl>
+                                      </p:cBhvr>
+                                    </p:cmd>
+                                  </p:childTnLst>
+                                </p:cTn>
+                              </p:par>
+                            </p:childTnLst>
+                          </p:cTn>
+                        </p:par>
+                      </p:childTnLst>
+                    </p:cTn>
+                  </p:par>
+                </p:childTnLst>
+              </p:cTn>
+              <p:prevCondLst>
+                <p:cond evt="onPrev" delay="0">
+                  <p:tgtEl>
+                    <p:sldTgt/>
+                  </p:tgtEl>
+                </p:cond>
+              </p:prevCondLst>
+              <p:nextCondLst>
+                <p:cond evt="onNext" delay="0">
+                  <p:tgtEl>
+                    <p:sldTgt/>
+                  </p:tgtEl>
+                </p:cond>
+              </p:nextCondLst>
+            </p:seq>
+            <p:audio>
+              <p:cMediaNode vol="80000">
+                <p:cTn id="7" fill="hold" display="0">
+                  <p:stCondLst>
+                    <p:cond delay="indefinite"/>
+                  </p:stCondLst>
+                  <p:endCondLst>
+                    <p:cond evt="onStopAudio" delay="0">
+                      <p:tgtEl>
+                        <p:sldTgt/>
+                      </p:tgtEl>
+                    </p:cond>
+                  </p:endCondLst>
+                </p:cTn>
+                <p:tgtEl>
+                  <p:spTgt spid="11"/>
+                </p:tgtEl>
+              </p:cMediaNode>
+            </p:audio>
+          </p:childTnLst>
+        </p:cTn>
+      </p:par>
+    </p:tnLst>
+  </p:timing>
 </p:sld>
 </file>
 
@@ -6631,8 +6805,8 @@
           </a:p>
         </p:txBody>
       </p:sp>
-      <mc:AlternateContent xmlns:mc="http://schemas.openxmlformats.org/markup-compatibility/2006">
-        <mc:Choice xmlns:a14="http://schemas.microsoft.com/office/drawing/2010/main" Requires="a14">
+      <mc:AlternateContent xmlns:mc="http://schemas.openxmlformats.org/markup-compatibility/2006" xmlns:a14="http://schemas.microsoft.com/office/drawing/2010/main">
+        <mc:Choice Requires="a14">
           <p:sp>
             <p:nvSpPr>
               <p:cNvPr id="3" name="Content Placeholder 2">
@@ -6817,7 +6991,7 @@
             </p:txBody>
           </p:sp>
         </mc:Choice>
-        <mc:Fallback>
+        <mc:Fallback xmlns="">
           <p:sp>
             <p:nvSpPr>
               <p:cNvPr id="3" name="Content Placeholder 2">
@@ -6836,7 +7010,7 @@
             </p:nvSpPr>
             <p:spPr>
               <a:blipFill>
-                <a:blip r:embed="rId2"/>
+                <a:blip r:embed="rId4"/>
                 <a:stretch>
                   <a:fillRect l="-295" t="-326"/>
                 </a:stretch>
@@ -6857,6 +7031,44 @@
           </p:sp>
         </mc:Fallback>
       </mc:AlternateContent>
+      <p:pic>
+        <p:nvPicPr>
+          <p:cNvPr id="5" name="Audio Recording 13 Jun 2022 at 1:02:17 pm" descr="Audio Recording 13 Jun 2022 at 1:02:17 pm">
+            <a:hlinkClick r:id="" action="ppaction://media"/>
+            <a:extLst>
+              <a:ext uri="{FF2B5EF4-FFF2-40B4-BE49-F238E27FC236}">
+                <a16:creationId xmlns:a16="http://schemas.microsoft.com/office/drawing/2014/main" id="{B8C4EC00-2BEE-2D48-9FD8-1B5F196DF73F}"/>
+              </a:ext>
+            </a:extLst>
+          </p:cNvPr>
+          <p:cNvPicPr>
+            <a:picLocks noChangeAspect="1"/>
+          </p:cNvPicPr>
+          <p:nvPr>
+            <a:audioFile r:link="rId2"/>
+            <p:extLst>
+              <p:ext uri="{DAA4B4D4-6D71-4841-9C94-3DE7FCFB9230}">
+                <p14:media xmlns:p14="http://schemas.microsoft.com/office/powerpoint/2010/main" r:embed="rId1"/>
+              </p:ext>
+            </p:extLst>
+          </p:nvPr>
+        </p:nvPicPr>
+        <p:blipFill>
+          <a:blip r:embed="rId4"/>
+          <a:stretch>
+            <a:fillRect/>
+          </a:stretch>
+        </p:blipFill>
+        <p:spPr>
+          <a:xfrm>
+            <a:off x="10711391" y="5765800"/>
+            <a:ext cx="812800" cy="812800"/>
+          </a:xfrm>
+          <a:prstGeom prst="rect">
+            <a:avLst/>
+          </a:prstGeom>
+        </p:spPr>
+      </p:pic>
     </p:spTree>
     <p:extLst>
       <p:ext uri="{BB962C8B-B14F-4D97-AF65-F5344CB8AC3E}">
@@ -6867,6 +7079,90 @@
   <p:clrMapOvr>
     <a:masterClrMapping/>
   </p:clrMapOvr>
+  <p:timing>
+    <p:tnLst>
+      <p:par>
+        <p:cTn id="1" dur="indefinite" restart="never" nodeType="tmRoot">
+          <p:childTnLst>
+            <p:seq concurrent="1" nextAc="seek">
+              <p:cTn id="2" dur="indefinite" nodeType="mainSeq">
+                <p:childTnLst>
+                  <p:par>
+                    <p:cTn id="3" fill="hold">
+                      <p:stCondLst>
+                        <p:cond delay="indefinite"/>
+                      </p:stCondLst>
+                      <p:childTnLst>
+                        <p:par>
+                          <p:cTn id="4" fill="hold">
+                            <p:stCondLst>
+                              <p:cond delay="0"/>
+                            </p:stCondLst>
+                            <p:childTnLst>
+                              <p:par>
+                                <p:cTn id="5" presetID="1" presetClass="mediacall" presetSubtype="0" fill="hold" nodeType="clickEffect">
+                                  <p:stCondLst>
+                                    <p:cond delay="0"/>
+                                  </p:stCondLst>
+                                  <p:childTnLst>
+                                    <p:cmd type="call" cmd="playFrom(0.0)">
+                                      <p:cBhvr>
+                                        <p:cTn id="6" dur="96704" fill="hold"/>
+                                        <p:tgtEl>
+                                          <p:spTgt spid="5"/>
+                                        </p:tgtEl>
+                                      </p:cBhvr>
+                                    </p:cmd>
+                                  </p:childTnLst>
+                                </p:cTn>
+                              </p:par>
+                            </p:childTnLst>
+                          </p:cTn>
+                        </p:par>
+                      </p:childTnLst>
+                    </p:cTn>
+                  </p:par>
+                </p:childTnLst>
+              </p:cTn>
+              <p:prevCondLst>
+                <p:cond evt="onPrev" delay="0">
+                  <p:tgtEl>
+                    <p:sldTgt/>
+                  </p:tgtEl>
+                </p:cond>
+              </p:prevCondLst>
+              <p:nextCondLst>
+                <p:cond evt="onNext" delay="0">
+                  <p:tgtEl>
+                    <p:sldTgt/>
+                  </p:tgtEl>
+                </p:cond>
+              </p:nextCondLst>
+            </p:seq>
+            <p:audio>
+              <p:cMediaNode vol="80000">
+                <p:cTn id="7" fill="hold" display="0">
+                  <p:stCondLst>
+                    <p:cond delay="indefinite"/>
+                  </p:stCondLst>
+                  <p:endCondLst>
+                    <p:cond evt="onStopAudio" delay="0">
+                      <p:tgtEl>
+                        <p:sldTgt/>
+                      </p:tgtEl>
+                    </p:cond>
+                  </p:endCondLst>
+                </p:cTn>
+                <p:tgtEl>
+                  <p:spTgt spid="5"/>
+                </p:tgtEl>
+              </p:cMediaNode>
+            </p:audio>
+          </p:childTnLst>
+        </p:cTn>
+      </p:par>
+    </p:tnLst>
+  </p:timing>
 </p:sld>
 </file>
 
@@ -6917,10 +7213,10 @@
       </p:sp>
       <p:pic>
         <p:nvPicPr>
-          <p:cNvPr id="11" name="Picture 10" descr="Graphical user interface, text, application, email&#10;&#10;Description automatically generated">
+          <p:cNvPr id="4" name="Picture 3">
             <a:extLst>
               <a:ext uri="{FF2B5EF4-FFF2-40B4-BE49-F238E27FC236}">
-                <a16:creationId xmlns:a16="http://schemas.microsoft.com/office/drawing/2014/main" id="{B724002B-8FF5-CB49-B9BC-963C19A1BF40}"/>
+                <a16:creationId xmlns:a16="http://schemas.microsoft.com/office/drawing/2014/main" id="{95DB6DA1-0BC5-0C41-ABBE-0A3C877A4147}"/>
               </a:ext>
             </a:extLst>
           </p:cNvPr>
@@ -6930,15 +7226,15 @@
           <p:nvPr/>
         </p:nvPicPr>
         <p:blipFill>
-          <a:blip r:embed="rId2"/>
+          <a:blip r:embed="rId4"/>
           <a:stretch>
             <a:fillRect/>
           </a:stretch>
         </p:blipFill>
         <p:spPr>
           <a:xfrm>
-            <a:off x="838200" y="2525674"/>
-            <a:ext cx="10388600" cy="4178300"/>
+            <a:off x="838201" y="1479550"/>
+            <a:ext cx="7258050" cy="841513"/>
           </a:xfrm>
           <a:prstGeom prst="rect">
             <a:avLst/>
@@ -6947,10 +7243,10 @@
       </p:pic>
       <p:pic>
         <p:nvPicPr>
-          <p:cNvPr id="15" name="Picture 14">
+          <p:cNvPr id="7" name="Picture 6" descr="Graphical user interface, text&#10;&#10;Description automatically generated">
             <a:extLst>
               <a:ext uri="{FF2B5EF4-FFF2-40B4-BE49-F238E27FC236}">
-                <a16:creationId xmlns:a16="http://schemas.microsoft.com/office/drawing/2014/main" id="{2EED482A-FA49-5240-8AA5-355FD11BA381}"/>
+                <a16:creationId xmlns:a16="http://schemas.microsoft.com/office/drawing/2014/main" id="{64F27D28-4296-4943-957E-1F907A64B7A9}"/>
               </a:ext>
             </a:extLst>
           </p:cNvPr>
@@ -6960,15 +7256,53 @@
           <p:nvPr/>
         </p:nvPicPr>
         <p:blipFill>
-          <a:blip r:embed="rId3"/>
+          <a:blip r:embed="rId5"/>
           <a:stretch>
             <a:fillRect/>
           </a:stretch>
         </p:blipFill>
         <p:spPr>
           <a:xfrm>
-            <a:off x="838199" y="1396980"/>
-            <a:ext cx="7160015" cy="831869"/>
+            <a:off x="838201" y="2603500"/>
+            <a:ext cx="10375900" cy="3251200"/>
+          </a:xfrm>
+          <a:prstGeom prst="rect">
+            <a:avLst/>
+          </a:prstGeom>
+        </p:spPr>
+      </p:pic>
+      <p:pic>
+        <p:nvPicPr>
+          <p:cNvPr id="9" name="Audio Recording 13 Jun 2022 at 1:33:04 pm" descr="Audio Recording 13 Jun 2022 at 1:33:04 pm">
+            <a:hlinkClick r:id="" action="ppaction://media"/>
+            <a:extLst>
+              <a:ext uri="{FF2B5EF4-FFF2-40B4-BE49-F238E27FC236}">
+                <a16:creationId xmlns:a16="http://schemas.microsoft.com/office/drawing/2014/main" id="{63D3CD34-5D32-CB4E-95CD-F72553836444}"/>
+              </a:ext>
+            </a:extLst>
+          </p:cNvPr>
+          <p:cNvPicPr>
+            <a:picLocks noChangeAspect="1"/>
+          </p:cNvPicPr>
+          <p:nvPr>
+            <a:audioFile r:link="rId2"/>
+            <p:extLst>
+              <p:ext uri="{DAA4B4D4-6D71-4841-9C94-3DE7FCFB9230}">
+                <p14:media xmlns:p14="http://schemas.microsoft.com/office/powerpoint/2010/main" r:embed="rId1"/>
+              </p:ext>
+            </p:extLst>
+          </p:nvPr>
+        </p:nvPicPr>
+        <p:blipFill>
+          <a:blip r:embed="rId6"/>
+          <a:stretch>
+            <a:fillRect/>
+          </a:stretch>
+        </p:blipFill>
+        <p:spPr>
+          <a:xfrm>
+            <a:off x="10947399" y="5854700"/>
+            <a:ext cx="812800" cy="812800"/>
           </a:xfrm>
           <a:prstGeom prst="rect">
             <a:avLst/>
@@ -6985,6 +7319,90 @@
   <p:clrMapOvr>
     <a:masterClrMapping/>
   </p:clrMapOvr>
+  <p:timing>
+    <p:tnLst>
+      <p:par>
+        <p:cTn id="1" dur="indefinite" restart="never" nodeType="tmRoot">
+          <p:childTnLst>
+            <p:seq concurrent="1" nextAc="seek">
+              <p:cTn id="2" dur="indefinite" nodeType="mainSeq">
+                <p:childTnLst>
+                  <p:par>
+                    <p:cTn id="3" fill="hold">
+                      <p:stCondLst>
+                        <p:cond delay="indefinite"/>
+                      </p:stCondLst>
+                      <p:childTnLst>
+                        <p:par>
+                          <p:cTn id="4" fill="hold">
+                            <p:stCondLst>
+                              <p:cond delay="0"/>
+                            </p:stCondLst>
+                            <p:childTnLst>
+                              <p:par>
+                                <p:cTn id="5" presetID="1" presetClass="mediacall" presetSubtype="0" fill="hold" nodeType="clickEffect">
+                                  <p:stCondLst>
+                                    <p:cond delay="0"/>
+                                  </p:stCondLst>
+                                  <p:childTnLst>
+                                    <p:cmd type="call" cmd="playFrom(0.0)">
+                                      <p:cBhvr>
+                                        <p:cTn id="6" dur="44672" fill="hold"/>
+                                        <p:tgtEl>
+                                          <p:spTgt spid="9"/>
+                                        </p:tgtEl>
+                                      </p:cBhvr>
+                                    </p:cmd>
+                                  </p:childTnLst>
+                                </p:cTn>
+                              </p:par>
+                            </p:childTnLst>
+                          </p:cTn>
+                        </p:par>
+                      </p:childTnLst>
+                    </p:cTn>
+                  </p:par>
+                </p:childTnLst>
+              </p:cTn>
+              <p:prevCondLst>
+                <p:cond evt="onPrev" delay="0">
+                  <p:tgtEl>
+                    <p:sldTgt/>
+                  </p:tgtEl>
+                </p:cond>
+              </p:prevCondLst>
+              <p:nextCondLst>
+                <p:cond evt="onNext" delay="0">
+                  <p:tgtEl>
+                    <p:sldTgt/>
+                  </p:tgtEl>
+                </p:cond>
+              </p:nextCondLst>
+            </p:seq>
+            <p:audio>
+              <p:cMediaNode vol="80000">
+                <p:cTn id="7" fill="hold" display="0">
+                  <p:stCondLst>
+                    <p:cond delay="indefinite"/>
+                  </p:stCondLst>
+                  <p:endCondLst>
+                    <p:cond evt="onStopAudio" delay="0">
+                      <p:tgtEl>
+                        <p:sldTgt/>
+                      </p:tgtEl>
+                    </p:cond>
+                  </p:endCondLst>
+                </p:cTn>
+                <p:tgtEl>
+                  <p:spTgt spid="9"/>
+                </p:tgtEl>
+              </p:cMediaNode>
+            </p:audio>
+          </p:childTnLst>
+        </p:cTn>
+      </p:par>
+    </p:tnLst>
+  </p:timing>
 </p:sld>
 </file>
 
@@ -7048,7 +7466,7 @@
           <p:nvPr/>
         </p:nvPicPr>
         <p:blipFill>
-          <a:blip r:embed="rId2"/>
+          <a:blip r:embed="rId4"/>
           <a:stretch>
             <a:fillRect/>
           </a:stretch>
@@ -7057,6 +7475,44 @@
           <a:xfrm>
             <a:off x="838200" y="1397000"/>
             <a:ext cx="9994900" cy="4064000"/>
+          </a:xfrm>
+          <a:prstGeom prst="rect">
+            <a:avLst/>
+          </a:prstGeom>
+        </p:spPr>
+      </p:pic>
+      <p:pic>
+        <p:nvPicPr>
+          <p:cNvPr id="3" name="Audio Recording 13 Jun 2022 at 2:30:38 pm" descr="Audio Recording 13 Jun 2022 at 2:30:38 pm">
+            <a:hlinkClick r:id="" action="ppaction://media"/>
+            <a:extLst>
+              <a:ext uri="{FF2B5EF4-FFF2-40B4-BE49-F238E27FC236}">
+                <a16:creationId xmlns:a16="http://schemas.microsoft.com/office/drawing/2014/main" id="{6EFB2D4B-4243-8F43-A0A6-DE285E9273B6}"/>
+              </a:ext>
+            </a:extLst>
+          </p:cNvPr>
+          <p:cNvPicPr>
+            <a:picLocks noChangeAspect="1"/>
+          </p:cNvPicPr>
+          <p:nvPr>
+            <a:audioFile r:link="rId2"/>
+            <p:extLst>
+              <p:ext uri="{DAA4B4D4-6D71-4841-9C94-3DE7FCFB9230}">
+                <p14:media xmlns:p14="http://schemas.microsoft.com/office/powerpoint/2010/main" r:embed="rId1"/>
+              </p:ext>
+            </p:extLst>
+          </p:nvPr>
+        </p:nvPicPr>
+        <p:blipFill>
+          <a:blip r:embed="rId5"/>
+          <a:stretch>
+            <a:fillRect/>
+          </a:stretch>
+        </p:blipFill>
+        <p:spPr>
+          <a:xfrm>
+            <a:off x="10833100" y="5842000"/>
+            <a:ext cx="812800" cy="812800"/>
           </a:xfrm>
           <a:prstGeom prst="rect">
             <a:avLst/>
@@ -7073,6 +7529,90 @@
   <p:clrMapOvr>
     <a:masterClrMapping/>
   </p:clrMapOvr>
+  <p:timing>
+    <p:tnLst>
+      <p:par>
+        <p:cTn id="1" dur="indefinite" restart="never" nodeType="tmRoot">
+          <p:childTnLst>
+            <p:seq concurrent="1" nextAc="seek">
+              <p:cTn id="2" dur="indefinite" nodeType="mainSeq">
+                <p:childTnLst>
+                  <p:par>
+                    <p:cTn id="3" fill="hold">
+                      <p:stCondLst>
+                        <p:cond delay="indefinite"/>
+                      </p:stCondLst>
+                      <p:childTnLst>
+                        <p:par>
+                          <p:cTn id="4" fill="hold">
+                            <p:stCondLst>
+                              <p:cond delay="0"/>
+                            </p:stCondLst>
+                            <p:childTnLst>
+                              <p:par>
+                                <p:cTn id="5" presetID="1" presetClass="mediacall" presetSubtype="0" fill="hold" nodeType="clickEffect">
+                                  <p:stCondLst>
+                                    <p:cond delay="0"/>
+                                  </p:stCondLst>
+                                  <p:childTnLst>
+                                    <p:cmd type="call" cmd="playFrom(0.0)">
+                                      <p:cBhvr>
+                                        <p:cTn id="6" dur="48768" fill="hold"/>
+                                        <p:tgtEl>
+                                          <p:spTgt spid="3"/>
+                                        </p:tgtEl>
+                                      </p:cBhvr>
+                                    </p:cmd>
+                                  </p:childTnLst>
+                                </p:cTn>
+                              </p:par>
+                            </p:childTnLst>
+                          </p:cTn>
+                        </p:par>
+                      </p:childTnLst>
+                    </p:cTn>
+                  </p:par>
+                </p:childTnLst>
+              </p:cTn>
+              <p:prevCondLst>
+                <p:cond evt="onPrev" delay="0">
+                  <p:tgtEl>
+                    <p:sldTgt/>
+                  </p:tgtEl>
+                </p:cond>
+              </p:prevCondLst>
+              <p:nextCondLst>
+                <p:cond evt="onNext" delay="0">
+                  <p:tgtEl>
+                    <p:sldTgt/>
+                  </p:tgtEl>
+                </p:cond>
+              </p:nextCondLst>
+            </p:seq>
+            <p:audio>
+              <p:cMediaNode vol="80000">
+                <p:cTn id="7" fill="hold" display="0">
+                  <p:stCondLst>
+                    <p:cond delay="indefinite"/>
+                  </p:stCondLst>
+                  <p:endCondLst>
+                    <p:cond evt="onStopAudio" delay="0">
+                      <p:tgtEl>
+                        <p:sldTgt/>
+                      </p:tgtEl>
+                    </p:cond>
+                  </p:endCondLst>
+                </p:cTn>
+                <p:tgtEl>
+                  <p:spTgt spid="3"/>
+                </p:tgtEl>
+              </p:cMediaNode>
+            </p:audio>
+          </p:childTnLst>
+        </p:cTn>
+      </p:par>
+    </p:tnLst>
+  </p:timing>
 </p:sld>
 </file>
 
@@ -7123,10 +7663,48 @@
       </p:sp>
       <p:pic>
         <p:nvPicPr>
-          <p:cNvPr id="9" name="Picture 8" descr="Graphical user interface, text, application, email&#10;&#10;Description automatically generated">
+          <p:cNvPr id="5" name="Audio Recording 13 Jun 2022 at 2:34:25 pm" descr="Audio Recording 13 Jun 2022 at 2:34:25 pm">
+            <a:hlinkClick r:id="" action="ppaction://media"/>
             <a:extLst>
               <a:ext uri="{FF2B5EF4-FFF2-40B4-BE49-F238E27FC236}">
-                <a16:creationId xmlns:a16="http://schemas.microsoft.com/office/drawing/2014/main" id="{D15635F8-E562-0B4D-9B2B-B94DA0652B32}"/>
+                <a16:creationId xmlns:a16="http://schemas.microsoft.com/office/drawing/2014/main" id="{B96EC029-3EBB-9F42-A958-64361575C6B9}"/>
+              </a:ext>
+            </a:extLst>
+          </p:cNvPr>
+          <p:cNvPicPr>
+            <a:picLocks noChangeAspect="1"/>
+          </p:cNvPicPr>
+          <p:nvPr>
+            <a:audioFile r:link="rId2"/>
+            <p:extLst>
+              <p:ext uri="{DAA4B4D4-6D71-4841-9C94-3DE7FCFB9230}">
+                <p14:media xmlns:p14="http://schemas.microsoft.com/office/powerpoint/2010/main" r:embed="rId1"/>
+              </p:ext>
+            </p:extLst>
+          </p:nvPr>
+        </p:nvPicPr>
+        <p:blipFill>
+          <a:blip r:embed="rId4"/>
+          <a:stretch>
+            <a:fillRect/>
+          </a:stretch>
+        </p:blipFill>
+        <p:spPr>
+          <a:xfrm>
+            <a:off x="10775950" y="6045200"/>
+            <a:ext cx="812800" cy="812800"/>
+          </a:xfrm>
+          <a:prstGeom prst="rect">
+            <a:avLst/>
+          </a:prstGeom>
+        </p:spPr>
+      </p:pic>
+      <p:pic>
+        <p:nvPicPr>
+          <p:cNvPr id="7" name="Picture 6" descr="Graphical user interface, text, application, email&#10;&#10;Description automatically generated">
+            <a:extLst>
+              <a:ext uri="{FF2B5EF4-FFF2-40B4-BE49-F238E27FC236}">
+                <a16:creationId xmlns:a16="http://schemas.microsoft.com/office/drawing/2014/main" id="{C27615D6-6D50-5849-9305-FF9C69DFB498}"/>
               </a:ext>
             </a:extLst>
           </p:cNvPr>
@@ -7136,15 +7714,15 @@
           <p:nvPr/>
         </p:nvPicPr>
         <p:blipFill>
-          <a:blip r:embed="rId2"/>
+          <a:blip r:embed="rId5"/>
           <a:stretch>
             <a:fillRect/>
           </a:stretch>
         </p:blipFill>
         <p:spPr>
           <a:xfrm>
-            <a:off x="838200" y="1690688"/>
-            <a:ext cx="11061700" cy="4470400"/>
+            <a:off x="577850" y="1416050"/>
+            <a:ext cx="11036300" cy="4445000"/>
           </a:xfrm>
           <a:prstGeom prst="rect">
             <a:avLst/>
@@ -7161,6 +7739,90 @@
   <p:clrMapOvr>
     <a:masterClrMapping/>
   </p:clrMapOvr>
+  <p:timing>
+    <p:tnLst>
+      <p:par>
+        <p:cTn id="1" dur="indefinite" restart="never" nodeType="tmRoot">
+          <p:childTnLst>
+            <p:seq concurrent="1" nextAc="seek">
+              <p:cTn id="2" dur="indefinite" nodeType="mainSeq">
+                <p:childTnLst>
+                  <p:par>
+                    <p:cTn id="3" fill="hold">
+                      <p:stCondLst>
+                        <p:cond delay="indefinite"/>
+                      </p:stCondLst>
+                      <p:childTnLst>
+                        <p:par>
+                          <p:cTn id="4" fill="hold">
+                            <p:stCondLst>
+                              <p:cond delay="0"/>
+                            </p:stCondLst>
+                            <p:childTnLst>
+                              <p:par>
+                                <p:cTn id="5" presetID="1" presetClass="mediacall" presetSubtype="0" fill="hold" nodeType="clickEffect">
+                                  <p:stCondLst>
+                                    <p:cond delay="0"/>
+                                  </p:stCondLst>
+                                  <p:childTnLst>
+                                    <p:cmd type="call" cmd="playFrom(0.0)">
+                                      <p:cBhvr>
+                                        <p:cTn id="6" dur="75904" fill="hold"/>
+                                        <p:tgtEl>
+                                          <p:spTgt spid="5"/>
+                                        </p:tgtEl>
+                                      </p:cBhvr>
+                                    </p:cmd>
+                                  </p:childTnLst>
+                                </p:cTn>
+                              </p:par>
+                            </p:childTnLst>
+                          </p:cTn>
+                        </p:par>
+                      </p:childTnLst>
+                    </p:cTn>
+                  </p:par>
+                </p:childTnLst>
+              </p:cTn>
+              <p:prevCondLst>
+                <p:cond evt="onPrev" delay="0">
+                  <p:tgtEl>
+                    <p:sldTgt/>
+                  </p:tgtEl>
+                </p:cond>
+              </p:prevCondLst>
+              <p:nextCondLst>
+                <p:cond evt="onNext" delay="0">
+                  <p:tgtEl>
+                    <p:sldTgt/>
+                  </p:tgtEl>
+                </p:cond>
+              </p:nextCondLst>
+            </p:seq>
+            <p:audio>
+              <p:cMediaNode vol="80000">
+                <p:cTn id="7" fill="hold" display="0">
+                  <p:stCondLst>
+                    <p:cond delay="indefinite"/>
+                  </p:stCondLst>
+                  <p:endCondLst>
+                    <p:cond evt="onStopAudio" delay="0">
+                      <p:tgtEl>
+                        <p:sldTgt/>
+                      </p:tgtEl>
+                    </p:cond>
+                  </p:endCondLst>
+                </p:cTn>
+                <p:tgtEl>
+                  <p:spTgt spid="5"/>
+                </p:tgtEl>
+              </p:cMediaNode>
+            </p:audio>
+          </p:childTnLst>
+        </p:cTn>
+      </p:par>
+    </p:tnLst>
+  </p:timing>
 </p:sld>
 </file>
 
@@ -7211,10 +7873,10 @@
       </p:sp>
       <p:pic>
         <p:nvPicPr>
-          <p:cNvPr id="4" name="Picture 3" descr="Text&#10;&#10;Description automatically generated">
+          <p:cNvPr id="12" name="Picture 11" descr="Text&#10;&#10;Description automatically generated">
             <a:extLst>
               <a:ext uri="{FF2B5EF4-FFF2-40B4-BE49-F238E27FC236}">
-                <a16:creationId xmlns:a16="http://schemas.microsoft.com/office/drawing/2014/main" id="{2DA3A471-7E43-E74A-AD49-6491AD07CA09}"/>
+                <a16:creationId xmlns:a16="http://schemas.microsoft.com/office/drawing/2014/main" id="{D2B8A623-F9C3-614B-A6FE-DC4255A69BB5}"/>
               </a:ext>
             </a:extLst>
           </p:cNvPr>
@@ -7224,15 +7886,53 @@
           <p:nvPr/>
         </p:nvPicPr>
         <p:blipFill>
-          <a:blip r:embed="rId2"/>
+          <a:blip r:embed="rId4"/>
           <a:stretch>
             <a:fillRect/>
           </a:stretch>
         </p:blipFill>
         <p:spPr>
           <a:xfrm>
-            <a:off x="838200" y="1690688"/>
-            <a:ext cx="7505700" cy="2616200"/>
+            <a:off x="677334" y="1587499"/>
+            <a:ext cx="9818416" cy="2341563"/>
+          </a:xfrm>
+          <a:prstGeom prst="rect">
+            <a:avLst/>
+          </a:prstGeom>
+        </p:spPr>
+      </p:pic>
+      <p:pic>
+        <p:nvPicPr>
+          <p:cNvPr id="13" name="Audio Recording 13 Jun 2022 at 2:55:04 pm" descr="Audio Recording 13 Jun 2022 at 2:55:04 pm">
+            <a:hlinkClick r:id="" action="ppaction://media"/>
+            <a:extLst>
+              <a:ext uri="{FF2B5EF4-FFF2-40B4-BE49-F238E27FC236}">
+                <a16:creationId xmlns:a16="http://schemas.microsoft.com/office/drawing/2014/main" id="{D07274F3-652D-7448-80BD-938A955FB6AF}"/>
+              </a:ext>
+            </a:extLst>
+          </p:cNvPr>
+          <p:cNvPicPr>
+            <a:picLocks noChangeAspect="1"/>
+          </p:cNvPicPr>
+          <p:nvPr>
+            <a:audioFile r:link="rId2"/>
+            <p:extLst>
+              <p:ext uri="{DAA4B4D4-6D71-4841-9C94-3DE7FCFB9230}">
+                <p14:media xmlns:p14="http://schemas.microsoft.com/office/powerpoint/2010/main" r:embed="rId1"/>
+              </p:ext>
+            </p:extLst>
+          </p:nvPr>
+        </p:nvPicPr>
+        <p:blipFill>
+          <a:blip r:embed="rId5"/>
+          <a:stretch>
+            <a:fillRect/>
+          </a:stretch>
+        </p:blipFill>
+        <p:spPr>
+          <a:xfrm>
+            <a:off x="10747375" y="5780088"/>
+            <a:ext cx="812800" cy="812800"/>
           </a:xfrm>
           <a:prstGeom prst="rect">
             <a:avLst/>
@@ -7249,6 +7949,90 @@
   <p:clrMapOvr>
     <a:masterClrMapping/>
   </p:clrMapOvr>
+  <p:timing>
+    <p:tnLst>
+      <p:par>
+        <p:cTn id="1" dur="indefinite" restart="never" nodeType="tmRoot">
+          <p:childTnLst>
+            <p:seq concurrent="1" nextAc="seek">
+              <p:cTn id="2" dur="indefinite" nodeType="mainSeq">
+                <p:childTnLst>
+                  <p:par>
+                    <p:cTn id="3" fill="hold">
+                      <p:stCondLst>
+                        <p:cond delay="indefinite"/>
+                      </p:stCondLst>
+                      <p:childTnLst>
+                        <p:par>
+                          <p:cTn id="4" fill="hold">
+                            <p:stCondLst>
+                              <p:cond delay="0"/>
+                            </p:stCondLst>
+                            <p:childTnLst>
+                              <p:par>
+                                <p:cTn id="5" presetID="1" presetClass="mediacall" presetSubtype="0" fill="hold" nodeType="clickEffect">
+                                  <p:stCondLst>
+                                    <p:cond delay="0"/>
+                                  </p:stCondLst>
+                                  <p:childTnLst>
+                                    <p:cmd type="call" cmd="playFrom(0.0)">
+                                      <p:cBhvr>
+                                        <p:cTn id="6" dur="28736" fill="hold"/>
+                                        <p:tgtEl>
+                                          <p:spTgt spid="13"/>
+                                        </p:tgtEl>
+                                      </p:cBhvr>
+                                    </p:cmd>
+                                  </p:childTnLst>
+                                </p:cTn>
+                              </p:par>
+                            </p:childTnLst>
+                          </p:cTn>
+                        </p:par>
+                      </p:childTnLst>
+                    </p:cTn>
+                  </p:par>
+                </p:childTnLst>
+              </p:cTn>
+              <p:prevCondLst>
+                <p:cond evt="onPrev" delay="0">
+                  <p:tgtEl>
+                    <p:sldTgt/>
+                  </p:tgtEl>
+                </p:cond>
+              </p:prevCondLst>
+              <p:nextCondLst>
+                <p:cond evt="onNext" delay="0">
+                  <p:tgtEl>
+                    <p:sldTgt/>
+                  </p:tgtEl>
+                </p:cond>
+              </p:nextCondLst>
+            </p:seq>
+            <p:audio>
+              <p:cMediaNode vol="80000">
+                <p:cTn id="7" fill="hold" display="0">
+                  <p:stCondLst>
+                    <p:cond delay="indefinite"/>
+                  </p:stCondLst>
+                  <p:endCondLst>
+                    <p:cond evt="onStopAudio" delay="0">
+                      <p:tgtEl>
+                        <p:sldTgt/>
+                      </p:tgtEl>
+                    </p:cond>
+                  </p:endCondLst>
+                </p:cTn>
+                <p:tgtEl>
+                  <p:spTgt spid="13"/>
+                </p:tgtEl>
+              </p:cMediaNode>
+            </p:audio>
+          </p:childTnLst>
+        </p:cTn>
+      </p:par>
+    </p:tnLst>
+  </p:timing>
 </p:sld>
 </file>
 
@@ -7299,10 +8083,48 @@
       </p:sp>
       <p:pic>
         <p:nvPicPr>
-          <p:cNvPr id="9" name="Picture 8" descr="Graphical user interface, text&#10;&#10;Description automatically generated">
+          <p:cNvPr id="3" name="Audio Recording 13 Jun 2022 at 3:08:36 pm" descr="Audio Recording 13 Jun 2022 at 3:08:36 pm">
+            <a:hlinkClick r:id="" action="ppaction://media"/>
             <a:extLst>
               <a:ext uri="{FF2B5EF4-FFF2-40B4-BE49-F238E27FC236}">
-                <a16:creationId xmlns:a16="http://schemas.microsoft.com/office/drawing/2014/main" id="{925E525D-B724-0342-A99F-0EB4D812734B}"/>
+                <a16:creationId xmlns:a16="http://schemas.microsoft.com/office/drawing/2014/main" id="{D4CA270E-2A46-1947-8923-4B27E56877B1}"/>
+              </a:ext>
+            </a:extLst>
+          </p:cNvPr>
+          <p:cNvPicPr>
+            <a:picLocks noChangeAspect="1"/>
+          </p:cNvPicPr>
+          <p:nvPr>
+            <a:audioFile r:link="rId2"/>
+            <p:extLst>
+              <p:ext uri="{DAA4B4D4-6D71-4841-9C94-3DE7FCFB9230}">
+                <p14:media xmlns:p14="http://schemas.microsoft.com/office/powerpoint/2010/main" r:embed="rId1"/>
+              </p:ext>
+            </p:extLst>
+          </p:nvPr>
+        </p:nvPicPr>
+        <p:blipFill>
+          <a:blip r:embed="rId4"/>
+          <a:stretch>
+            <a:fillRect/>
+          </a:stretch>
+        </p:blipFill>
+        <p:spPr>
+          <a:xfrm>
+            <a:off x="10977034" y="5918200"/>
+            <a:ext cx="812800" cy="812800"/>
+          </a:xfrm>
+          <a:prstGeom prst="rect">
+            <a:avLst/>
+          </a:prstGeom>
+        </p:spPr>
+      </p:pic>
+      <p:pic>
+        <p:nvPicPr>
+          <p:cNvPr id="7" name="Picture 6" descr="Text&#10;&#10;Description automatically generated">
+            <a:extLst>
+              <a:ext uri="{FF2B5EF4-FFF2-40B4-BE49-F238E27FC236}">
+                <a16:creationId xmlns:a16="http://schemas.microsoft.com/office/drawing/2014/main" id="{4C96CB99-BA19-4F45-BD36-30B710E44D74}"/>
               </a:ext>
             </a:extLst>
           </p:cNvPr>
@@ -7312,15 +8134,15 @@
           <p:nvPr/>
         </p:nvPicPr>
         <p:blipFill>
-          <a:blip r:embed="rId2"/>
+          <a:blip r:embed="rId5"/>
           <a:stretch>
             <a:fillRect/>
           </a:stretch>
         </p:blipFill>
         <p:spPr>
           <a:xfrm>
-            <a:off x="677334" y="1270000"/>
-            <a:ext cx="10299700" cy="4394200"/>
+            <a:off x="677334" y="1508803"/>
+            <a:ext cx="10299700" cy="3340100"/>
           </a:xfrm>
           <a:prstGeom prst="rect">
             <a:avLst/>
@@ -7337,6 +8159,90 @@
   <p:clrMapOvr>
     <a:masterClrMapping/>
   </p:clrMapOvr>
+  <p:timing>
+    <p:tnLst>
+      <p:par>
+        <p:cTn id="1" dur="indefinite" restart="never" nodeType="tmRoot">
+          <p:childTnLst>
+            <p:seq concurrent="1" nextAc="seek">
+              <p:cTn id="2" dur="indefinite" nodeType="mainSeq">
+                <p:childTnLst>
+                  <p:par>
+                    <p:cTn id="3" fill="hold">
+                      <p:stCondLst>
+                        <p:cond delay="indefinite"/>
+                      </p:stCondLst>
+                      <p:childTnLst>
+                        <p:par>
+                          <p:cTn id="4" fill="hold">
+                            <p:stCondLst>
+                              <p:cond delay="0"/>
+                            </p:stCondLst>
+                            <p:childTnLst>
+                              <p:par>
+                                <p:cTn id="5" presetID="1" presetClass="mediacall" presetSubtype="0" fill="hold" nodeType="clickEffect">
+                                  <p:stCondLst>
+                                    <p:cond delay="0"/>
+                                  </p:stCondLst>
+                                  <p:childTnLst>
+                                    <p:cmd type="call" cmd="playFrom(0.0)">
+                                      <p:cBhvr>
+                                        <p:cTn id="6" dur="56192" fill="hold"/>
+                                        <p:tgtEl>
+                                          <p:spTgt spid="3"/>
+                                        </p:tgtEl>
+                                      </p:cBhvr>
+                                    </p:cmd>
+                                  </p:childTnLst>
+                                </p:cTn>
+                              </p:par>
+                            </p:childTnLst>
+                          </p:cTn>
+                        </p:par>
+                      </p:childTnLst>
+                    </p:cTn>
+                  </p:par>
+                </p:childTnLst>
+              </p:cTn>
+              <p:prevCondLst>
+                <p:cond evt="onPrev" delay="0">
+                  <p:tgtEl>
+                    <p:sldTgt/>
+                  </p:tgtEl>
+                </p:cond>
+              </p:prevCondLst>
+              <p:nextCondLst>
+                <p:cond evt="onNext" delay="0">
+                  <p:tgtEl>
+                    <p:sldTgt/>
+                  </p:tgtEl>
+                </p:cond>
+              </p:nextCondLst>
+            </p:seq>
+            <p:audio>
+              <p:cMediaNode vol="80000">
+                <p:cTn id="7" fill="hold" display="0">
+                  <p:stCondLst>
+                    <p:cond delay="indefinite"/>
+                  </p:stCondLst>
+                  <p:endCondLst>
+                    <p:cond evt="onStopAudio" delay="0">
+                      <p:tgtEl>
+                        <p:sldTgt/>
+                      </p:tgtEl>
+                    </p:cond>
+                  </p:endCondLst>
+                </p:cTn>
+                <p:tgtEl>
+                  <p:spTgt spid="3"/>
+                </p:tgtEl>
+              </p:cMediaNode>
+            </p:audio>
+          </p:childTnLst>
+        </p:cTn>
+      </p:par>
+    </p:tnLst>
+  </p:timing>
 </p:sld>
 </file>
 
@@ -7387,10 +8293,10 @@
       </p:sp>
       <p:pic>
         <p:nvPicPr>
-          <p:cNvPr id="9" name="Picture 8" descr="Graphical user interface, text, application&#10;&#10;Description automatically generated">
+          <p:cNvPr id="4" name="Picture 3" descr="Graphical user interface, text, application&#10;&#10;Description automatically generated">
             <a:extLst>
               <a:ext uri="{FF2B5EF4-FFF2-40B4-BE49-F238E27FC236}">
-                <a16:creationId xmlns:a16="http://schemas.microsoft.com/office/drawing/2014/main" id="{E389445D-240C-0E4F-BD3D-CA2D974886C4}"/>
+                <a16:creationId xmlns:a16="http://schemas.microsoft.com/office/drawing/2014/main" id="{485620C3-1E91-5D46-B707-1D7F73723C48}"/>
               </a:ext>
             </a:extLst>
           </p:cNvPr>
@@ -7400,15 +8306,53 @@
           <p:nvPr/>
         </p:nvPicPr>
         <p:blipFill>
-          <a:blip r:embed="rId2"/>
+          <a:blip r:embed="rId4"/>
           <a:stretch>
             <a:fillRect/>
           </a:stretch>
         </p:blipFill>
         <p:spPr>
           <a:xfrm>
-            <a:off x="571500" y="1562100"/>
-            <a:ext cx="11049000" cy="3733800"/>
+            <a:off x="527050" y="1270000"/>
+            <a:ext cx="11137900" cy="3848100"/>
+          </a:xfrm>
+          <a:prstGeom prst="rect">
+            <a:avLst/>
+          </a:prstGeom>
+        </p:spPr>
+      </p:pic>
+      <p:pic>
+        <p:nvPicPr>
+          <p:cNvPr id="5" name="Audio Recording 13 Jun 2022 at 3:22:50 pm" descr="Audio Recording 13 Jun 2022 at 3:22:50 pm">
+            <a:hlinkClick r:id="" action="ppaction://media"/>
+            <a:extLst>
+              <a:ext uri="{FF2B5EF4-FFF2-40B4-BE49-F238E27FC236}">
+                <a16:creationId xmlns:a16="http://schemas.microsoft.com/office/drawing/2014/main" id="{B8A0B1CF-A07F-EC49-A1D1-1E4D296F2904}"/>
+              </a:ext>
+            </a:extLst>
+          </p:cNvPr>
+          <p:cNvPicPr>
+            <a:picLocks noChangeAspect="1"/>
+          </p:cNvPicPr>
+          <p:nvPr>
+            <a:audioFile r:link="rId2"/>
+            <p:extLst>
+              <p:ext uri="{DAA4B4D4-6D71-4841-9C94-3DE7FCFB9230}">
+                <p14:media xmlns:p14="http://schemas.microsoft.com/office/powerpoint/2010/main" r:embed="rId1"/>
+              </p:ext>
+            </p:extLst>
+          </p:nvPr>
+        </p:nvPicPr>
+        <p:blipFill>
+          <a:blip r:embed="rId5"/>
+          <a:stretch>
+            <a:fillRect/>
+          </a:stretch>
+        </p:blipFill>
+        <p:spPr>
+          <a:xfrm>
+            <a:off x="10501443" y="5588000"/>
+            <a:ext cx="812800" cy="812800"/>
           </a:xfrm>
           <a:prstGeom prst="rect">
             <a:avLst/>
@@ -7425,6 +8369,90 @@
   <p:clrMapOvr>
     <a:masterClrMapping/>
   </p:clrMapOvr>
+  <p:timing>
+    <p:tnLst>
+      <p:par>
+        <p:cTn id="1" dur="indefinite" restart="never" nodeType="tmRoot">
+          <p:childTnLst>
+            <p:seq concurrent="1" nextAc="seek">
+              <p:cTn id="2" dur="indefinite" nodeType="mainSeq">
+                <p:childTnLst>
+                  <p:par>
+                    <p:cTn id="3" fill="hold">
+                      <p:stCondLst>
+                        <p:cond delay="indefinite"/>
+                      </p:stCondLst>
+                      <p:childTnLst>
+                        <p:par>
+                          <p:cTn id="4" fill="hold">
+                            <p:stCondLst>
+                              <p:cond delay="0"/>
+                            </p:stCondLst>
+                            <p:childTnLst>
+                              <p:par>
+                                <p:cTn id="5" presetID="1" presetClass="mediacall" presetSubtype="0" fill="hold" nodeType="clickEffect">
+                                  <p:stCondLst>
+                                    <p:cond delay="0"/>
+                                  </p:stCondLst>
+                                  <p:childTnLst>
+                                    <p:cmd type="call" cmd="playFrom(0.0)">
+                                      <p:cBhvr>
+                                        <p:cTn id="6" dur="44736" fill="hold"/>
+                                        <p:tgtEl>
+                                          <p:spTgt spid="5"/>
+                                        </p:tgtEl>
+                                      </p:cBhvr>
+                                    </p:cmd>
+                                  </p:childTnLst>
+                                </p:cTn>
+                              </p:par>
+                            </p:childTnLst>
+                          </p:cTn>
+                        </p:par>
+                      </p:childTnLst>
+                    </p:cTn>
+                  </p:par>
+                </p:childTnLst>
+              </p:cTn>
+              <p:prevCondLst>
+                <p:cond evt="onPrev" delay="0">
+                  <p:tgtEl>
+                    <p:sldTgt/>
+                  </p:tgtEl>
+                </p:cond>
+              </p:prevCondLst>
+              <p:nextCondLst>
+                <p:cond evt="onNext" delay="0">
+                  <p:tgtEl>
+                    <p:sldTgt/>
+                  </p:tgtEl>
+                </p:cond>
+              </p:nextCondLst>
+            </p:seq>
+            <p:audio>
+              <p:cMediaNode vol="80000">
+                <p:cTn id="7" fill="hold" display="0">
+                  <p:stCondLst>
+                    <p:cond delay="indefinite"/>
+                  </p:stCondLst>
+                  <p:endCondLst>
+                    <p:cond evt="onStopAudio" delay="0">
+                      <p:tgtEl>
+                        <p:sldTgt/>
+                      </p:tgtEl>
+                    </p:cond>
+                  </p:endCondLst>
+                </p:cTn>
+                <p:tgtEl>
+                  <p:spTgt spid="5"/>
+                </p:tgtEl>
+              </p:cMediaNode>
+            </p:audio>
+          </p:childTnLst>
+        </p:cTn>
+      </p:par>
+    </p:tnLst>
+  </p:timing>
 </p:sld>
 </file>
 

--- a/Slides.pptx
+++ b/Slides.pptx
@@ -866,7 +866,7 @@
           <a:p>
             <a:fld id="{7FF4B528-88B5-944D-A3DF-E9C3648A525A}" type="datetimeFigureOut">
               <a:rPr lang="en-US" smtClean="0"/>
-              <a:t>6/13/22</a:t>
+              <a:t>6/14/22</a:t>
             </a:fld>
             <a:endParaRPr lang="en-US"/>
           </a:p>
@@ -1117,7 +1117,7 @@
           <a:p>
             <a:fld id="{7FF4B528-88B5-944D-A3DF-E9C3648A525A}" type="datetimeFigureOut">
               <a:rPr lang="en-US" smtClean="0"/>
-              <a:t>6/13/22</a:t>
+              <a:t>6/14/22</a:t>
             </a:fld>
             <a:endParaRPr lang="en-US"/>
           </a:p>
@@ -1431,7 +1431,7 @@
           <a:p>
             <a:fld id="{7FF4B528-88B5-944D-A3DF-E9C3648A525A}" type="datetimeFigureOut">
               <a:rPr lang="en-US" smtClean="0"/>
-              <a:t>6/13/22</a:t>
+              <a:t>6/14/22</a:t>
             </a:fld>
             <a:endParaRPr lang="en-US"/>
           </a:p>
@@ -1764,7 +1764,7 @@
           <a:p>
             <a:fld id="{7FF4B528-88B5-944D-A3DF-E9C3648A525A}" type="datetimeFigureOut">
               <a:rPr lang="en-US" smtClean="0"/>
-              <a:t>6/13/22</a:t>
+              <a:t>6/14/22</a:t>
             </a:fld>
             <a:endParaRPr lang="en-US"/>
           </a:p>
@@ -2078,7 +2078,7 @@
           <a:p>
             <a:fld id="{7FF4B528-88B5-944D-A3DF-E9C3648A525A}" type="datetimeFigureOut">
               <a:rPr lang="en-US" smtClean="0"/>
-              <a:t>6/13/22</a:t>
+              <a:t>6/14/22</a:t>
             </a:fld>
             <a:endParaRPr lang="en-US"/>
           </a:p>
@@ -2471,7 +2471,7 @@
           <a:p>
             <a:fld id="{7FF4B528-88B5-944D-A3DF-E9C3648A525A}" type="datetimeFigureOut">
               <a:rPr lang="en-US" smtClean="0"/>
-              <a:t>6/13/22</a:t>
+              <a:t>6/14/22</a:t>
             </a:fld>
             <a:endParaRPr lang="en-US"/>
           </a:p>
@@ -2641,7 +2641,7 @@
           <a:p>
             <a:fld id="{7FF4B528-88B5-944D-A3DF-E9C3648A525A}" type="datetimeFigureOut">
               <a:rPr lang="en-US" smtClean="0"/>
-              <a:t>6/13/22</a:t>
+              <a:t>6/14/22</a:t>
             </a:fld>
             <a:endParaRPr lang="en-US"/>
           </a:p>
@@ -2821,7 +2821,7 @@
           <a:p>
             <a:fld id="{7FF4B528-88B5-944D-A3DF-E9C3648A525A}" type="datetimeFigureOut">
               <a:rPr lang="en-US" smtClean="0"/>
-              <a:t>6/13/22</a:t>
+              <a:t>6/14/22</a:t>
             </a:fld>
             <a:endParaRPr lang="en-US"/>
           </a:p>
@@ -2991,7 +2991,7 @@
           <a:p>
             <a:fld id="{7FF4B528-88B5-944D-A3DF-E9C3648A525A}" type="datetimeFigureOut">
               <a:rPr lang="en-US" smtClean="0"/>
-              <a:t>6/13/22</a:t>
+              <a:t>6/14/22</a:t>
             </a:fld>
             <a:endParaRPr lang="en-US"/>
           </a:p>
@@ -3238,7 +3238,7 @@
           <a:p>
             <a:fld id="{7FF4B528-88B5-944D-A3DF-E9C3648A525A}" type="datetimeFigureOut">
               <a:rPr lang="en-US" smtClean="0"/>
-              <a:t>6/13/22</a:t>
+              <a:t>6/14/22</a:t>
             </a:fld>
             <a:endParaRPr lang="en-US"/>
           </a:p>
@@ -3470,7 +3470,7 @@
           <a:p>
             <a:fld id="{7FF4B528-88B5-944D-A3DF-E9C3648A525A}" type="datetimeFigureOut">
               <a:rPr lang="en-US" smtClean="0"/>
-              <a:t>6/13/22</a:t>
+              <a:t>6/14/22</a:t>
             </a:fld>
             <a:endParaRPr lang="en-US"/>
           </a:p>
@@ -3844,7 +3844,7 @@
           <a:p>
             <a:fld id="{7FF4B528-88B5-944D-A3DF-E9C3648A525A}" type="datetimeFigureOut">
               <a:rPr lang="en-US" smtClean="0"/>
-              <a:t>6/13/22</a:t>
+              <a:t>6/14/22</a:t>
             </a:fld>
             <a:endParaRPr lang="en-US"/>
           </a:p>
@@ -3967,7 +3967,7 @@
           <a:p>
             <a:fld id="{7FF4B528-88B5-944D-A3DF-E9C3648A525A}" type="datetimeFigureOut">
               <a:rPr lang="en-US" smtClean="0"/>
-              <a:t>6/13/22</a:t>
+              <a:t>6/14/22</a:t>
             </a:fld>
             <a:endParaRPr lang="en-US"/>
           </a:p>
@@ -4062,7 +4062,7 @@
           <a:p>
             <a:fld id="{7FF4B528-88B5-944D-A3DF-E9C3648A525A}" type="datetimeFigureOut">
               <a:rPr lang="en-US" smtClean="0"/>
-              <a:t>6/13/22</a:t>
+              <a:t>6/14/22</a:t>
             </a:fld>
             <a:endParaRPr lang="en-US"/>
           </a:p>
@@ -4317,7 +4317,7 @@
           <a:p>
             <a:fld id="{7FF4B528-88B5-944D-A3DF-E9C3648A525A}" type="datetimeFigureOut">
               <a:rPr lang="en-US" smtClean="0"/>
-              <a:t>6/13/22</a:t>
+              <a:t>6/14/22</a:t>
             </a:fld>
             <a:endParaRPr lang="en-US"/>
           </a:p>
@@ -4622,7 +4622,7 @@
           <a:p>
             <a:fld id="{7FF4B528-88B5-944D-A3DF-E9C3648A525A}" type="datetimeFigureOut">
               <a:rPr lang="en-US" smtClean="0"/>
-              <a:t>6/13/22</a:t>
+              <a:t>6/14/22</a:t>
             </a:fld>
             <a:endParaRPr lang="en-US"/>
           </a:p>
@@ -5324,7 +5324,7 @@
           <a:p>
             <a:fld id="{7FF4B528-88B5-944D-A3DF-E9C3648A525A}" type="datetimeFigureOut">
               <a:rPr lang="en-US" smtClean="0"/>
-              <a:t>6/13/22</a:t>
+              <a:t>6/14/22</a:t>
             </a:fld>
             <a:endParaRPr lang="en-US"/>
           </a:p>
@@ -7033,7 +7033,7 @@
       </mc:AlternateContent>
       <p:pic>
         <p:nvPicPr>
-          <p:cNvPr id="5" name="Audio Recording 13 Jun 2022 at 1:02:17 pm" descr="Audio Recording 13 Jun 2022 at 1:02:17 pm">
+          <p:cNvPr id="5" name="Audio Recording 13 Jun 2022 at 1:02:17 pm">
             <a:hlinkClick r:id="" action="ppaction://media"/>
             <a:extLst>
               <a:ext uri="{FF2B5EF4-FFF2-40B4-BE49-F238E27FC236}">
@@ -7054,15 +7054,14 @@
           </p:nvPr>
         </p:nvPicPr>
         <p:blipFill>
-          <a:blip r:embed="rId4"/>
-          <a:stretch>
-            <a:fillRect/>
-          </a:stretch>
+          <a:blip r:embed="rId5"/>
+          <a:srcRect/>
+          <a:stretch/>
         </p:blipFill>
         <p:spPr>
           <a:xfrm>
-            <a:off x="10711391" y="5765800"/>
-            <a:ext cx="812800" cy="812800"/>
+            <a:off x="10717643" y="5765800"/>
+            <a:ext cx="800295" cy="812800"/>
           </a:xfrm>
           <a:prstGeom prst="rect">
             <a:avLst/>
